--- a/docs/Kiro-Duck-Challenge-Guide.pptx
+++ b/docs/Kiro-Duck-Challenge-Guide.pptx
@@ -5,7 +5,7 @@
     <p:sldMasterId id="2147483648" r:id="rId1"/>
   </p:sldMasterIdLst>
   <p:notesMasterIdLst>
-    <p:notesMasterId r:id="rId17"/>
+    <p:notesMasterId r:id="rId18"/>
   </p:notesMasterIdLst>
   <p:sldIdLst>
     <p:sldId id="256" r:id="rId2"/>
@@ -23,6 +23,7 @@
     <p:sldId id="267" r:id="rId14"/>
     <p:sldId id="269" r:id="rId15"/>
     <p:sldId id="270" r:id="rId16"/>
+    <p:sldId id="271" r:id="rId17"/>
   </p:sldIdLst>
   <p:sldSz cx="9144000" cy="5143500" type="screen16x9"/>
   <p:notesSz cx="5143500" cy="9144000"/>
@@ -4540,6 +4541,173 @@
         </p:txBody>
       </p:sp>
     </p:spTree>
+  </p:cSld>
+  <p:clrMapOvr>
+    <a:masterClrMapping/>
+  </p:clrMapOvr>
+</p:sld>
+</file>
+
+<file path=ppt/slides/slide16.xml><?xml version="1.0" encoding="utf-8"?>
+<p:sld xmlns:a="http://schemas.openxmlformats.org/drawingml/2006/main" xmlns:r="http://schemas.openxmlformats.org/officeDocument/2006/relationships" xmlns:p="http://schemas.openxmlformats.org/presentationml/2006/main">
+  <p:cSld>
+    <p:spTree>
+      <p:nvGrpSpPr>
+        <p:cNvPr id="1" name=""/>
+        <p:cNvGrpSpPr/>
+        <p:nvPr/>
+      </p:nvGrpSpPr>
+      <p:grpSpPr>
+        <a:xfrm>
+          <a:off x="0" y="0"/>
+          <a:ext cx="0" cy="0"/>
+          <a:chOff x="0" y="0"/>
+          <a:chExt cx="0" cy="0"/>
+        </a:xfrm>
+      </p:grpSpPr>
+      <p:sp>
+        <p:nvSpPr>
+          <p:cNvPr id="2" name="TextBox 1">
+            <a:extLst>
+              <a:ext uri="{FF2B5EF4-FFF2-40B4-BE49-F238E27FC236}">
+                <a16:creationId xmlns:a16="http://schemas.microsoft.com/office/drawing/2014/main" id="{3FB538B0-3B1F-280D-251F-2CF75612EC56}"/>
+              </a:ext>
+            </a:extLst>
+          </p:cNvPr>
+          <p:cNvSpPr txBox="1"/>
+          <p:nvPr/>
+        </p:nvSpPr>
+        <p:spPr>
+          <a:xfrm>
+            <a:off x="201872" y="263426"/>
+            <a:ext cx="5486896" cy="4616648"/>
+          </a:xfrm>
+          <a:prstGeom prst="rect">
+            <a:avLst/>
+          </a:prstGeom>
+          <a:noFill/>
+        </p:spPr>
+        <p:txBody>
+          <a:bodyPr wrap="square" rtlCol="0">
+            <a:spAutoFit/>
+          </a:bodyPr>
+          <a:lstStyle/>
+          <a:p>
+            <a:endParaRPr lang="en-US" dirty="0"/>
+          </a:p>
+          <a:p>
+            <a:pPr algn="ctr"/>
+            <a:r>
+              <a:rPr lang="en-US" sz="2400" b="1" dirty="0"/>
+              <a:t>Ready for More?</a:t>
+            </a:r>
+          </a:p>
+          <a:p>
+            <a:endParaRPr lang="en-US" dirty="0"/>
+          </a:p>
+          <a:p>
+            <a:r>
+              <a:rPr lang="en-US" dirty="0"/>
+              <a:t>You just completed the code challenge. Now dive deeper.</a:t>
+            </a:r>
+          </a:p>
+          <a:p>
+            <a:endParaRPr lang="en-US" dirty="0"/>
+          </a:p>
+          <a:p>
+            <a:r>
+              <a:rPr lang="en-US" b="1" dirty="0"/>
+              <a:t>Join </a:t>
+            </a:r>
+            <a:r>
+              <a:rPr lang="en-US" b="1" dirty="0" err="1"/>
+              <a:t>Kiroween</a:t>
+            </a:r>
+            <a:r>
+              <a:rPr lang="en-US" b="1" dirty="0"/>
+              <a:t> 2025</a:t>
+            </a:r>
+          </a:p>
+          <a:p>
+            <a:r>
+              <a:rPr lang="en-US" dirty="0"/>
+              <a:t>Our first Halloween hackathon where creative ideas come to life</a:t>
+            </a:r>
+          </a:p>
+          <a:p>
+            <a:endParaRPr lang="en-US" dirty="0"/>
+          </a:p>
+          <a:p>
+            <a:r>
+              <a:rPr lang="en-US" dirty="0"/>
+              <a:t>$100,000 in Total Prizes</a:t>
+            </a:r>
+          </a:p>
+          <a:p>
+            <a:r>
+              <a:rPr lang="en-US" dirty="0"/>
+              <a:t>1st Place: $30,000</a:t>
+            </a:r>
+          </a:p>
+          <a:p>
+            <a:r>
+              <a:rPr lang="en-US" dirty="0"/>
+              <a:t>12 Prize Categories</a:t>
+            </a:r>
+          </a:p>
+          <a:p>
+            <a:r>
+              <a:rPr lang="en-US" dirty="0"/>
+              <a:t>66 Winners</a:t>
+            </a:r>
+          </a:p>
+          <a:p>
+            <a:endParaRPr lang="en-US" dirty="0"/>
+          </a:p>
+          <a:p>
+            <a:r>
+              <a:rPr lang="en-US" dirty="0"/>
+              <a:t>Scan the QR code or visit kiroween.devpost.com</a:t>
+            </a:r>
+          </a:p>
+        </p:txBody>
+      </p:sp>
+      <p:pic>
+        <p:nvPicPr>
+          <p:cNvPr id="3" name="Picture 2">
+            <a:extLst>
+              <a:ext uri="{FF2B5EF4-FFF2-40B4-BE49-F238E27FC236}">
+                <a16:creationId xmlns:a16="http://schemas.microsoft.com/office/drawing/2014/main" id="{70EFD776-1A72-FF24-EF12-D97517FEE1E5}"/>
+              </a:ext>
+            </a:extLst>
+          </p:cNvPr>
+          <p:cNvPicPr>
+            <a:picLocks noChangeAspect="1"/>
+          </p:cNvPicPr>
+          <p:nvPr/>
+        </p:nvPicPr>
+        <p:blipFill>
+          <a:blip r:embed="rId2"/>
+          <a:stretch>
+            <a:fillRect/>
+          </a:stretch>
+        </p:blipFill>
+        <p:spPr>
+          <a:xfrm>
+            <a:off x="5186904" y="869241"/>
+            <a:ext cx="3755224" cy="3755224"/>
+          </a:xfrm>
+          <a:prstGeom prst="rect">
+            <a:avLst/>
+          </a:prstGeom>
+        </p:spPr>
+      </p:pic>
+    </p:spTree>
+    <p:extLst>
+      <p:ext uri="{BB962C8B-B14F-4D97-AF65-F5344CB8AC3E}">
+        <p14:creationId xmlns:p14="http://schemas.microsoft.com/office/powerpoint/2010/main" val="2912076118"/>
+      </p:ext>
+    </p:extLst>
   </p:cSld>
   <p:clrMapOvr>
     <a:masterClrMapping/>
